--- a/Software Design.pptx
+++ b/Software Design.pptx
@@ -9,6 +9,13 @@
     <p:sldId id="257" r:id="rId3"/>
     <p:sldId id="258" r:id="rId4"/>
     <p:sldId id="259" r:id="rId5"/>
+    <p:sldId id="260" r:id="rId6"/>
+    <p:sldId id="261" r:id="rId7"/>
+    <p:sldId id="262" r:id="rId8"/>
+    <p:sldId id="263" r:id="rId9"/>
+    <p:sldId id="264" r:id="rId10"/>
+    <p:sldId id="265" r:id="rId11"/>
+    <p:sldId id="266" r:id="rId12"/>
   </p:sldIdLst>
   <p:sldSz cx="9144000" cy="6858000" type="screen4x3"/>
   <p:notesSz cx="6858000" cy="9144000"/>
@@ -990,6 +997,13 @@
         </dgm:presLayoutVars>
       </dgm:prSet>
       <dgm:spPr/>
+      <dgm:t>
+        <a:bodyPr/>
+        <a:lstStyle/>
+        <a:p>
+          <a:endParaRPr lang="nl-NL"/>
+        </a:p>
+      </dgm:t>
     </dgm:pt>
     <dgm:pt modelId="{1B955630-FEC3-483D-AEFA-954D6DD021D1}" type="pres">
       <dgm:prSet presAssocID="{6D343C76-4F5D-4FD1-9B61-A0A09E920823}" presName="parentText" presStyleLbl="node1" presStyleIdx="0" presStyleCnt="3">
@@ -999,6 +1013,13 @@
         </dgm:presLayoutVars>
       </dgm:prSet>
       <dgm:spPr/>
+      <dgm:t>
+        <a:bodyPr/>
+        <a:lstStyle/>
+        <a:p>
+          <a:endParaRPr lang="nl-NL"/>
+        </a:p>
+      </dgm:t>
     </dgm:pt>
     <dgm:pt modelId="{F1FACD93-A42E-4831-9C84-D4669CDB871E}" type="pres">
       <dgm:prSet presAssocID="{53B70F80-9704-493F-AC53-E4433192EFA2}" presName="spacer" presStyleCnt="0"/>
@@ -1012,6 +1033,13 @@
         </dgm:presLayoutVars>
       </dgm:prSet>
       <dgm:spPr/>
+      <dgm:t>
+        <a:bodyPr/>
+        <a:lstStyle/>
+        <a:p>
+          <a:endParaRPr lang="nl-NL"/>
+        </a:p>
+      </dgm:t>
     </dgm:pt>
     <dgm:pt modelId="{6DDE9EB5-2701-4A17-9136-8CD8B4B4BA81}" type="pres">
       <dgm:prSet presAssocID="{000060B4-8248-4E67-8F80-C1E626341F03}" presName="spacer" presStyleCnt="0"/>
@@ -1025,6 +1053,13 @@
         </dgm:presLayoutVars>
       </dgm:prSet>
       <dgm:spPr/>
+      <dgm:t>
+        <a:bodyPr/>
+        <a:lstStyle/>
+        <a:p>
+          <a:endParaRPr lang="nl-NL"/>
+        </a:p>
+      </dgm:t>
     </dgm:pt>
   </dgm:ptLst>
   <dgm:cxnLst>
@@ -3120,6 +3155,7 @@
           <a:p>
             <a:fld id="{F1E5C044-6994-4F92-9280-ECAEB0DCBE9D}" type="datetimeFigureOut">
               <a:rPr lang="nl-NL" smtClean="0"/>
+              <a:pPr/>
               <a:t>17-3-2014</a:t>
             </a:fld>
             <a:endParaRPr lang="nl-NL"/>
@@ -3182,6 +3218,7 @@
           <a:p>
             <a:fld id="{027CB694-6BE8-4260-8D7D-E911842E66D4}" type="slidenum">
               <a:rPr lang="nl-NL" smtClean="0"/>
+              <a:pPr/>
               <a:t>‹nr.›</a:t>
             </a:fld>
             <a:endParaRPr lang="nl-NL"/>
@@ -3316,6 +3353,7 @@
           <a:p>
             <a:fld id="{F1E5C044-6994-4F92-9280-ECAEB0DCBE9D}" type="datetimeFigureOut">
               <a:rPr lang="nl-NL" smtClean="0"/>
+              <a:pPr/>
               <a:t>17-3-2014</a:t>
             </a:fld>
             <a:endParaRPr lang="nl-NL"/>
@@ -3362,6 +3400,7 @@
           <a:p>
             <a:fld id="{027CB694-6BE8-4260-8D7D-E911842E66D4}" type="slidenum">
               <a:rPr lang="nl-NL" smtClean="0"/>
+              <a:pPr/>
               <a:t>‹nr.›</a:t>
             </a:fld>
             <a:endParaRPr lang="nl-NL"/>
@@ -3501,6 +3540,7 @@
           <a:p>
             <a:fld id="{F1E5C044-6994-4F92-9280-ECAEB0DCBE9D}" type="datetimeFigureOut">
               <a:rPr lang="nl-NL" smtClean="0"/>
+              <a:pPr/>
               <a:t>17-3-2014</a:t>
             </a:fld>
             <a:endParaRPr lang="nl-NL"/>
@@ -3547,6 +3587,7 @@
           <a:p>
             <a:fld id="{027CB694-6BE8-4260-8D7D-E911842E66D4}" type="slidenum">
               <a:rPr lang="nl-NL" smtClean="0"/>
+              <a:pPr/>
               <a:t>‹nr.›</a:t>
             </a:fld>
             <a:endParaRPr lang="nl-NL"/>
@@ -3651,6 +3692,7 @@
           <a:p>
             <a:fld id="{F1E5C044-6994-4F92-9280-ECAEB0DCBE9D}" type="datetimeFigureOut">
               <a:rPr lang="nl-NL" smtClean="0"/>
+              <a:pPr/>
               <a:t>17-3-2014</a:t>
             </a:fld>
             <a:endParaRPr lang="nl-NL"/>
@@ -3697,6 +3739,7 @@
           <a:p>
             <a:fld id="{027CB694-6BE8-4260-8D7D-E911842E66D4}" type="slidenum">
               <a:rPr lang="nl-NL" smtClean="0"/>
+              <a:pPr/>
               <a:t>‹nr.›</a:t>
             </a:fld>
             <a:endParaRPr lang="nl-NL"/>
@@ -3906,6 +3949,7 @@
           <a:p>
             <a:fld id="{F1E5C044-6994-4F92-9280-ECAEB0DCBE9D}" type="datetimeFigureOut">
               <a:rPr lang="nl-NL" smtClean="0"/>
+              <a:pPr/>
               <a:t>17-3-2014</a:t>
             </a:fld>
             <a:endParaRPr lang="nl-NL"/>
@@ -3952,6 +3996,7 @@
           <a:p>
             <a:fld id="{027CB694-6BE8-4260-8D7D-E911842E66D4}" type="slidenum">
               <a:rPr lang="nl-NL" smtClean="0"/>
+              <a:pPr/>
               <a:t>‹nr.›</a:t>
             </a:fld>
             <a:endParaRPr lang="nl-NL"/>
@@ -4315,6 +4360,7 @@
           <a:p>
             <a:fld id="{F1E5C044-6994-4F92-9280-ECAEB0DCBE9D}" type="datetimeFigureOut">
               <a:rPr lang="nl-NL" smtClean="0"/>
+              <a:pPr/>
               <a:t>17-3-2014</a:t>
             </a:fld>
             <a:endParaRPr lang="nl-NL"/>
@@ -4361,6 +4407,7 @@
           <a:p>
             <a:fld id="{027CB694-6BE8-4260-8D7D-E911842E66D4}" type="slidenum">
               <a:rPr lang="nl-NL" smtClean="0"/>
+              <a:pPr/>
               <a:t>‹nr.›</a:t>
             </a:fld>
             <a:endParaRPr lang="nl-NL"/>
@@ -4761,6 +4808,7 @@
           <a:p>
             <a:fld id="{F1E5C044-6994-4F92-9280-ECAEB0DCBE9D}" type="datetimeFigureOut">
               <a:rPr lang="nl-NL" smtClean="0"/>
+              <a:pPr/>
               <a:t>17-3-2014</a:t>
             </a:fld>
             <a:endParaRPr lang="nl-NL"/>
@@ -4807,6 +4855,7 @@
           <a:p>
             <a:fld id="{027CB694-6BE8-4260-8D7D-E911842E66D4}" type="slidenum">
               <a:rPr lang="nl-NL" smtClean="0"/>
+              <a:pPr/>
               <a:t>‹nr.›</a:t>
             </a:fld>
             <a:endParaRPr lang="nl-NL"/>
@@ -4862,6 +4911,7 @@
           <a:p>
             <a:fld id="{F1E5C044-6994-4F92-9280-ECAEB0DCBE9D}" type="datetimeFigureOut">
               <a:rPr lang="nl-NL" smtClean="0"/>
+              <a:pPr/>
               <a:t>17-3-2014</a:t>
             </a:fld>
             <a:endParaRPr lang="nl-NL"/>
@@ -4908,6 +4958,7 @@
           <a:p>
             <a:fld id="{027CB694-6BE8-4260-8D7D-E911842E66D4}" type="slidenum">
               <a:rPr lang="nl-NL" smtClean="0"/>
+              <a:pPr/>
               <a:t>‹nr.›</a:t>
             </a:fld>
             <a:endParaRPr lang="nl-NL"/>
@@ -4983,6 +5034,7 @@
           <a:p>
             <a:fld id="{F1E5C044-6994-4F92-9280-ECAEB0DCBE9D}" type="datetimeFigureOut">
               <a:rPr lang="nl-NL" smtClean="0"/>
+              <a:pPr/>
               <a:t>17-3-2014</a:t>
             </a:fld>
             <a:endParaRPr lang="nl-NL"/>
@@ -5029,6 +5081,7 @@
           <a:p>
             <a:fld id="{027CB694-6BE8-4260-8D7D-E911842E66D4}" type="slidenum">
               <a:rPr lang="nl-NL" smtClean="0"/>
+              <a:pPr/>
               <a:t>‹nr.›</a:t>
             </a:fld>
             <a:endParaRPr lang="nl-NL"/>
@@ -5257,6 +5310,7 @@
           <a:p>
             <a:fld id="{F1E5C044-6994-4F92-9280-ECAEB0DCBE9D}" type="datetimeFigureOut">
               <a:rPr lang="nl-NL" smtClean="0"/>
+              <a:pPr/>
               <a:t>17-3-2014</a:t>
             </a:fld>
             <a:endParaRPr lang="nl-NL"/>
@@ -5303,6 +5357,7 @@
           <a:p>
             <a:fld id="{027CB694-6BE8-4260-8D7D-E911842E66D4}" type="slidenum">
               <a:rPr lang="nl-NL" smtClean="0"/>
+              <a:pPr/>
               <a:t>‹nr.›</a:t>
             </a:fld>
             <a:endParaRPr lang="nl-NL"/>
@@ -5462,6 +5517,7 @@
           <a:p>
             <a:fld id="{F1E5C044-6994-4F92-9280-ECAEB0DCBE9D}" type="datetimeFigureOut">
               <a:rPr lang="nl-NL" smtClean="0"/>
+              <a:pPr/>
               <a:t>17-3-2014</a:t>
             </a:fld>
             <a:endParaRPr lang="nl-NL"/>
@@ -5527,6 +5583,7 @@
           <a:p>
             <a:fld id="{027CB694-6BE8-4260-8D7D-E911842E66D4}" type="slidenum">
               <a:rPr lang="nl-NL" smtClean="0"/>
+              <a:pPr/>
               <a:t>‹nr.›</a:t>
             </a:fld>
             <a:endParaRPr lang="nl-NL"/>
@@ -6571,6 +6628,7 @@
           <a:p>
             <a:fld id="{F1E5C044-6994-4F92-9280-ECAEB0DCBE9D}" type="datetimeFigureOut">
               <a:rPr lang="nl-NL" smtClean="0"/>
+              <a:pPr/>
               <a:t>17-3-2014</a:t>
             </a:fld>
             <a:endParaRPr lang="nl-NL"/>
@@ -6647,6 +6705,7 @@
           <a:p>
             <a:fld id="{027CB694-6BE8-4260-8D7D-E911842E66D4}" type="slidenum">
               <a:rPr lang="nl-NL" smtClean="0"/>
+              <a:pPr/>
               <a:t>‹nr.›</a:t>
             </a:fld>
             <a:endParaRPr lang="nl-NL"/>
@@ -7032,6 +7091,268 @@
 </p:sld>
 </file>
 
+<file path=ppt/slides/slide10.xml><?xml version="1.0" encoding="utf-8"?>
+<p:sld xmlns:a="http://schemas.openxmlformats.org/drawingml/2006/main" xmlns:r="http://schemas.openxmlformats.org/officeDocument/2006/relationships" xmlns:p="http://schemas.openxmlformats.org/presentationml/2006/main">
+  <p:cSld>
+    <p:spTree>
+      <p:nvGrpSpPr>
+        <p:cNvPr id="1" name=""/>
+        <p:cNvGrpSpPr/>
+        <p:nvPr/>
+      </p:nvGrpSpPr>
+      <p:grpSpPr>
+        <a:xfrm>
+          <a:off x="0" y="0"/>
+          <a:ext cx="0" cy="0"/>
+          <a:chOff x="0" y="0"/>
+          <a:chExt cx="0" cy="0"/>
+        </a:xfrm>
+      </p:grpSpPr>
+      <p:sp>
+        <p:nvSpPr>
+          <p:cNvPr id="2" name="Tijdelijke aanduiding voor inhoud 1"/>
+          <p:cNvSpPr>
+            <a:spLocks noGrp="1"/>
+          </p:cNvSpPr>
+          <p:nvPr>
+            <p:ph idx="1"/>
+          </p:nvPr>
+        </p:nvSpPr>
+        <p:spPr/>
+        <p:txBody>
+          <a:bodyPr/>
+          <a:lstStyle/>
+          <a:p>
+            <a:r>
+              <a:rPr lang="nl-NL" dirty="0" err="1" smtClean="0"/>
+              <a:t>Conveyor</a:t>
+            </a:r>
+            <a:r>
+              <a:rPr lang="nl-NL" dirty="0" smtClean="0"/>
+              <a:t> belt </a:t>
+            </a:r>
+            <a:r>
+              <a:rPr lang="nl-NL" dirty="0" err="1" smtClean="0"/>
+              <a:t>not</a:t>
+            </a:r>
+            <a:r>
+              <a:rPr lang="nl-NL" dirty="0" smtClean="0"/>
+              <a:t> </a:t>
+            </a:r>
+            <a:r>
+              <a:rPr lang="nl-NL" dirty="0" err="1" smtClean="0"/>
+              <a:t>linear</a:t>
+            </a:r>
+            <a:endParaRPr lang="nl-NL" dirty="0" smtClean="0"/>
+          </a:p>
+          <a:p>
+            <a:pPr lvl="1"/>
+            <a:r>
+              <a:rPr lang="nl-NL" dirty="0" smtClean="0"/>
+              <a:t>E.g. </a:t>
+            </a:r>
+            <a:r>
+              <a:rPr lang="nl-NL" dirty="0" err="1" smtClean="0"/>
+              <a:t>conveyor</a:t>
+            </a:r>
+            <a:r>
+              <a:rPr lang="nl-NL" dirty="0" smtClean="0"/>
+              <a:t> belt </a:t>
+            </a:r>
+            <a:r>
+              <a:rPr lang="nl-NL" dirty="0" err="1" smtClean="0"/>
+              <a:t>can</a:t>
+            </a:r>
+            <a:r>
+              <a:rPr lang="nl-NL" dirty="0" smtClean="0"/>
+              <a:t> split up</a:t>
+            </a:r>
+            <a:endParaRPr lang="nl-NL" dirty="0" smtClean="0"/>
+          </a:p>
+          <a:p>
+            <a:r>
+              <a:rPr lang="nl-NL" dirty="0" smtClean="0"/>
+              <a:t>Hard to </a:t>
+            </a:r>
+            <a:r>
+              <a:rPr lang="nl-NL" dirty="0" err="1" smtClean="0"/>
+              <a:t>adjust</a:t>
+            </a:r>
+            <a:r>
+              <a:rPr lang="nl-NL" dirty="0" smtClean="0"/>
+              <a:t> Schedule and </a:t>
+            </a:r>
+            <a:r>
+              <a:rPr lang="nl-NL" dirty="0" err="1" smtClean="0"/>
+              <a:t>AssemblyLine</a:t>
+            </a:r>
+            <a:endParaRPr lang="nl-NL" dirty="0" smtClean="0"/>
+          </a:p>
+        </p:txBody>
+      </p:sp>
+      <p:sp>
+        <p:nvSpPr>
+          <p:cNvPr id="3" name="Titel 2"/>
+          <p:cNvSpPr>
+            <a:spLocks noGrp="1"/>
+          </p:cNvSpPr>
+          <p:nvPr>
+            <p:ph type="title"/>
+          </p:nvPr>
+        </p:nvSpPr>
+        <p:spPr/>
+        <p:txBody>
+          <a:bodyPr>
+            <a:normAutofit fontScale="90000"/>
+          </a:bodyPr>
+          <a:lstStyle/>
+          <a:p>
+            <a:r>
+              <a:rPr lang="nl-NL" dirty="0" err="1" smtClean="0"/>
+              <a:t>Extensibility</a:t>
+            </a:r>
+            <a:r>
+              <a:rPr lang="nl-NL" dirty="0" smtClean="0"/>
+              <a:t>: non </a:t>
+            </a:r>
+            <a:r>
+              <a:rPr lang="nl-NL" dirty="0" err="1" smtClean="0"/>
+              <a:t>linear</a:t>
+            </a:r>
+            <a:r>
+              <a:rPr lang="nl-NL" dirty="0" smtClean="0"/>
+              <a:t> </a:t>
+            </a:r>
+            <a:r>
+              <a:rPr lang="nl-NL" dirty="0" err="1" smtClean="0"/>
+              <a:t>assembly</a:t>
+            </a:r>
+            <a:endParaRPr lang="nl-NL" dirty="0"/>
+          </a:p>
+        </p:txBody>
+      </p:sp>
+    </p:spTree>
+  </p:cSld>
+  <p:clrMapOvr>
+    <a:masterClrMapping/>
+  </p:clrMapOvr>
+</p:sld>
+</file>
+
+<file path=ppt/slides/slide11.xml><?xml version="1.0" encoding="utf-8"?>
+<p:sld xmlns:a="http://schemas.openxmlformats.org/drawingml/2006/main" xmlns:r="http://schemas.openxmlformats.org/officeDocument/2006/relationships" xmlns:p="http://schemas.openxmlformats.org/presentationml/2006/main">
+  <p:cSld>
+    <p:spTree>
+      <p:nvGrpSpPr>
+        <p:cNvPr id="1" name=""/>
+        <p:cNvGrpSpPr/>
+        <p:nvPr/>
+      </p:nvGrpSpPr>
+      <p:grpSpPr>
+        <a:xfrm>
+          <a:off x="0" y="0"/>
+          <a:ext cx="0" cy="0"/>
+          <a:chOff x="0" y="0"/>
+          <a:chExt cx="0" cy="0"/>
+        </a:xfrm>
+      </p:grpSpPr>
+      <p:sp>
+        <p:nvSpPr>
+          <p:cNvPr id="2" name="Tijdelijke aanduiding voor inhoud 1"/>
+          <p:cNvSpPr>
+            <a:spLocks noGrp="1"/>
+          </p:cNvSpPr>
+          <p:nvPr>
+            <p:ph idx="1"/>
+          </p:nvPr>
+        </p:nvSpPr>
+        <p:spPr/>
+        <p:txBody>
+          <a:bodyPr/>
+          <a:lstStyle/>
+          <a:p>
+            <a:r>
+              <a:rPr lang="nl-NL" dirty="0" smtClean="0"/>
+              <a:t>High </a:t>
+            </a:r>
+            <a:r>
+              <a:rPr lang="nl-NL" dirty="0" err="1" smtClean="0"/>
+              <a:t>coverage</a:t>
+            </a:r>
+            <a:r>
+              <a:rPr lang="nl-NL" dirty="0" smtClean="0"/>
+              <a:t> of </a:t>
+            </a:r>
+            <a:r>
+              <a:rPr lang="nl-NL" dirty="0" err="1" smtClean="0"/>
+              <a:t>logic</a:t>
+            </a:r>
+            <a:r>
+              <a:rPr lang="nl-NL" smtClean="0"/>
+              <a:t> classes</a:t>
+            </a:r>
+            <a:endParaRPr lang="nl-NL" dirty="0" smtClean="0"/>
+          </a:p>
+          <a:p>
+            <a:r>
+              <a:rPr lang="nl-NL" dirty="0" err="1" smtClean="0"/>
+              <a:t>Simulation</a:t>
+            </a:r>
+            <a:r>
+              <a:rPr lang="nl-NL" dirty="0" smtClean="0"/>
+              <a:t> of </a:t>
+            </a:r>
+            <a:r>
+              <a:rPr lang="nl-NL" dirty="0" err="1" smtClean="0"/>
+              <a:t>use</a:t>
+            </a:r>
+            <a:r>
+              <a:rPr lang="nl-NL" dirty="0" smtClean="0"/>
+              <a:t> cases</a:t>
+            </a:r>
+            <a:endParaRPr lang="nl-NL" dirty="0"/>
+          </a:p>
+        </p:txBody>
+      </p:sp>
+      <p:sp>
+        <p:nvSpPr>
+          <p:cNvPr id="3" name="Titel 2"/>
+          <p:cNvSpPr>
+            <a:spLocks noGrp="1"/>
+          </p:cNvSpPr>
+          <p:nvPr>
+            <p:ph type="title"/>
+          </p:nvPr>
+        </p:nvSpPr>
+        <p:spPr/>
+        <p:txBody>
+          <a:bodyPr/>
+          <a:lstStyle/>
+          <a:p>
+            <a:r>
+              <a:rPr lang="nl-NL" dirty="0" err="1" smtClean="0"/>
+              <a:t>Testing</a:t>
+            </a:r>
+            <a:r>
+              <a:rPr lang="nl-NL" dirty="0" smtClean="0"/>
+              <a:t> </a:t>
+            </a:r>
+            <a:r>
+              <a:rPr lang="nl-NL" dirty="0" err="1" smtClean="0"/>
+              <a:t>approach</a:t>
+            </a:r>
+            <a:endParaRPr lang="nl-NL" dirty="0"/>
+          </a:p>
+        </p:txBody>
+      </p:sp>
+    </p:spTree>
+  </p:cSld>
+  <p:clrMapOvr>
+    <a:masterClrMapping/>
+  </p:clrMapOvr>
+</p:sld>
+</file>
+
 <file path=ppt/slides/slide2.xml><?xml version="1.0" encoding="utf-8"?>
 <p:sld xmlns:a="http://schemas.openxmlformats.org/drawingml/2006/main" xmlns:r="http://schemas.openxmlformats.org/officeDocument/2006/relationships" xmlns:p="http://schemas.openxmlformats.org/presentationml/2006/main">
   <p:cSld>
@@ -7292,6 +7613,10 @@
           <a:bodyPr/>
           <a:lstStyle/>
           <a:p>
+            <a:r>
+              <a:rPr lang="nl-NL" dirty="0" smtClean="0"/>
+              <a:t>UML UI EN CONTROLLER</a:t>
+            </a:r>
             <a:endParaRPr lang="nl-NL" dirty="0"/>
           </a:p>
         </p:txBody>
@@ -7313,7 +7638,757 @@
           <a:p>
             <a:r>
               <a:rPr lang="nl-NL" dirty="0" smtClean="0"/>
-              <a:t>High level design</a:t>
+              <a:t>User interface and controllers</a:t>
+            </a:r>
+            <a:endParaRPr lang="nl-NL" dirty="0"/>
+          </a:p>
+        </p:txBody>
+      </p:sp>
+    </p:spTree>
+  </p:cSld>
+  <p:clrMapOvr>
+    <a:masterClrMapping/>
+  </p:clrMapOvr>
+</p:sld>
+</file>
+
+<file path=ppt/slides/slide5.xml><?xml version="1.0" encoding="utf-8"?>
+<p:sld xmlns:a="http://schemas.openxmlformats.org/drawingml/2006/main" xmlns:r="http://schemas.openxmlformats.org/officeDocument/2006/relationships" xmlns:p="http://schemas.openxmlformats.org/presentationml/2006/main">
+  <p:cSld>
+    <p:spTree>
+      <p:nvGrpSpPr>
+        <p:cNvPr id="1" name=""/>
+        <p:cNvGrpSpPr/>
+        <p:nvPr/>
+      </p:nvGrpSpPr>
+      <p:grpSpPr>
+        <a:xfrm>
+          <a:off x="0" y="0"/>
+          <a:ext cx="0" cy="0"/>
+          <a:chOff x="0" y="0"/>
+          <a:chExt cx="0" cy="0"/>
+        </a:xfrm>
+      </p:grpSpPr>
+      <p:sp>
+        <p:nvSpPr>
+          <p:cNvPr id="2" name="Tijdelijke aanduiding voor inhoud 1"/>
+          <p:cNvSpPr>
+            <a:spLocks noGrp="1"/>
+          </p:cNvSpPr>
+          <p:nvPr>
+            <p:ph idx="1"/>
+          </p:nvPr>
+        </p:nvSpPr>
+        <p:spPr/>
+        <p:txBody>
+          <a:bodyPr/>
+          <a:lstStyle/>
+          <a:p>
+            <a:r>
+              <a:rPr lang="en-US" dirty="0" smtClean="0"/>
+              <a:t>New login information in </a:t>
+            </a:r>
+            <a:r>
+              <a:rPr lang="en-US" dirty="0" err="1" smtClean="0"/>
+              <a:t>CarManuFacturingCompany</a:t>
+            </a:r>
+            <a:endParaRPr lang="en-US" dirty="0" smtClean="0"/>
+          </a:p>
+          <a:p>
+            <a:r>
+              <a:rPr lang="en-US" dirty="0" smtClean="0"/>
+              <a:t>New UI and controller</a:t>
+            </a:r>
+          </a:p>
+          <a:p>
+            <a:r>
+              <a:rPr lang="en-US" dirty="0" smtClean="0"/>
+              <a:t>Fairly easy</a:t>
+            </a:r>
+            <a:endParaRPr lang="en-US" dirty="0"/>
+          </a:p>
+        </p:txBody>
+      </p:sp>
+      <p:sp>
+        <p:nvSpPr>
+          <p:cNvPr id="3" name="Titel 2"/>
+          <p:cNvSpPr>
+            <a:spLocks noGrp="1"/>
+          </p:cNvSpPr>
+          <p:nvPr>
+            <p:ph type="title"/>
+          </p:nvPr>
+        </p:nvSpPr>
+        <p:spPr/>
+        <p:txBody>
+          <a:bodyPr/>
+          <a:lstStyle/>
+          <a:p>
+            <a:r>
+              <a:rPr lang="nl-NL" dirty="0" err="1" smtClean="0"/>
+              <a:t>Extensibility</a:t>
+            </a:r>
+            <a:r>
+              <a:rPr lang="nl-NL" dirty="0" smtClean="0"/>
+              <a:t>: </a:t>
+            </a:r>
+            <a:r>
+              <a:rPr lang="nl-NL" dirty="0" err="1" smtClean="0"/>
+              <a:t>new</a:t>
+            </a:r>
+            <a:r>
+              <a:rPr lang="nl-NL" dirty="0" smtClean="0"/>
+              <a:t> user</a:t>
+            </a:r>
+            <a:endParaRPr lang="nl-NL" dirty="0"/>
+          </a:p>
+        </p:txBody>
+      </p:sp>
+    </p:spTree>
+  </p:cSld>
+  <p:clrMapOvr>
+    <a:masterClrMapping/>
+  </p:clrMapOvr>
+</p:sld>
+</file>
+
+<file path=ppt/slides/slide6.xml><?xml version="1.0" encoding="utf-8"?>
+<p:sld xmlns:a="http://schemas.openxmlformats.org/drawingml/2006/main" xmlns:r="http://schemas.openxmlformats.org/officeDocument/2006/relationships" xmlns:p="http://schemas.openxmlformats.org/presentationml/2006/main">
+  <p:cSld>
+    <p:spTree>
+      <p:nvGrpSpPr>
+        <p:cNvPr id="1" name=""/>
+        <p:cNvGrpSpPr/>
+        <p:nvPr/>
+      </p:nvGrpSpPr>
+      <p:grpSpPr>
+        <a:xfrm>
+          <a:off x="0" y="0"/>
+          <a:ext cx="0" cy="0"/>
+          <a:chOff x="0" y="0"/>
+          <a:chExt cx="0" cy="0"/>
+        </a:xfrm>
+      </p:grpSpPr>
+      <p:sp>
+        <p:nvSpPr>
+          <p:cNvPr id="2" name="Tijdelijke aanduiding voor inhoud 1"/>
+          <p:cNvSpPr>
+            <a:spLocks noGrp="1"/>
+          </p:cNvSpPr>
+          <p:nvPr>
+            <p:ph idx="1"/>
+          </p:nvPr>
+        </p:nvSpPr>
+        <p:spPr/>
+        <p:txBody>
+          <a:bodyPr/>
+          <a:lstStyle/>
+          <a:p>
+            <a:r>
+              <a:rPr lang="nl-NL" dirty="0" smtClean="0"/>
+              <a:t>New </a:t>
+            </a:r>
+            <a:r>
+              <a:rPr lang="nl-NL" dirty="0" err="1" smtClean="0"/>
+              <a:t>subclass</a:t>
+            </a:r>
+            <a:r>
+              <a:rPr lang="nl-NL" dirty="0" smtClean="0"/>
+              <a:t> of Workstation</a:t>
+            </a:r>
+          </a:p>
+          <a:p>
+            <a:r>
+              <a:rPr lang="nl-NL" dirty="0" smtClean="0"/>
+              <a:t>New </a:t>
+            </a:r>
+            <a:r>
+              <a:rPr lang="nl-NL" dirty="0" err="1" smtClean="0"/>
+              <a:t>instance</a:t>
+            </a:r>
+            <a:r>
+              <a:rPr lang="nl-NL" dirty="0" smtClean="0"/>
+              <a:t> in </a:t>
+            </a:r>
+            <a:r>
+              <a:rPr lang="nl-NL" dirty="0" err="1" smtClean="0"/>
+              <a:t>AssemblyLine</a:t>
+            </a:r>
+            <a:endParaRPr lang="nl-NL" dirty="0" smtClean="0"/>
+          </a:p>
+          <a:p>
+            <a:r>
+              <a:rPr lang="nl-NL" dirty="0" err="1" smtClean="0"/>
+              <a:t>Fairly</a:t>
+            </a:r>
+            <a:r>
+              <a:rPr lang="nl-NL" dirty="0" smtClean="0"/>
+              <a:t> easy</a:t>
+            </a:r>
+            <a:endParaRPr lang="nl-NL" dirty="0"/>
+          </a:p>
+        </p:txBody>
+      </p:sp>
+      <p:sp>
+        <p:nvSpPr>
+          <p:cNvPr id="3" name="Titel 2"/>
+          <p:cNvSpPr>
+            <a:spLocks noGrp="1"/>
+          </p:cNvSpPr>
+          <p:nvPr>
+            <p:ph type="title"/>
+          </p:nvPr>
+        </p:nvSpPr>
+        <p:spPr/>
+        <p:txBody>
+          <a:bodyPr/>
+          <a:lstStyle/>
+          <a:p>
+            <a:r>
+              <a:rPr lang="nl-NL" dirty="0" err="1" smtClean="0"/>
+              <a:t>Extensibility</a:t>
+            </a:r>
+            <a:r>
+              <a:rPr lang="nl-NL" dirty="0" smtClean="0"/>
+              <a:t>: </a:t>
+            </a:r>
+            <a:r>
+              <a:rPr lang="nl-NL" dirty="0" err="1" smtClean="0"/>
+              <a:t>new</a:t>
+            </a:r>
+            <a:r>
+              <a:rPr lang="nl-NL" dirty="0" smtClean="0"/>
+              <a:t> </a:t>
+            </a:r>
+            <a:r>
+              <a:rPr lang="nl-NL" dirty="0" err="1" smtClean="0"/>
+              <a:t>workstation</a:t>
+            </a:r>
+            <a:endParaRPr lang="nl-NL" dirty="0"/>
+          </a:p>
+        </p:txBody>
+      </p:sp>
+    </p:spTree>
+  </p:cSld>
+  <p:clrMapOvr>
+    <a:masterClrMapping/>
+  </p:clrMapOvr>
+</p:sld>
+</file>
+
+<file path=ppt/slides/slide7.xml><?xml version="1.0" encoding="utf-8"?>
+<p:sld xmlns:a="http://schemas.openxmlformats.org/drawingml/2006/main" xmlns:r="http://schemas.openxmlformats.org/officeDocument/2006/relationships" xmlns:p="http://schemas.openxmlformats.org/presentationml/2006/main">
+  <p:cSld>
+    <p:spTree>
+      <p:nvGrpSpPr>
+        <p:cNvPr id="1" name=""/>
+        <p:cNvGrpSpPr/>
+        <p:nvPr/>
+      </p:nvGrpSpPr>
+      <p:grpSpPr>
+        <a:xfrm>
+          <a:off x="0" y="0"/>
+          <a:ext cx="0" cy="0"/>
+          <a:chOff x="0" y="0"/>
+          <a:chExt cx="0" cy="0"/>
+        </a:xfrm>
+      </p:grpSpPr>
+      <p:sp>
+        <p:nvSpPr>
+          <p:cNvPr id="2" name="Tijdelijke aanduiding voor inhoud 1"/>
+          <p:cNvSpPr>
+            <a:spLocks noGrp="1"/>
+          </p:cNvSpPr>
+          <p:nvPr>
+            <p:ph idx="1"/>
+          </p:nvPr>
+        </p:nvSpPr>
+        <p:spPr/>
+        <p:txBody>
+          <a:bodyPr/>
+          <a:lstStyle/>
+          <a:p>
+            <a:r>
+              <a:rPr lang="nl-NL" dirty="0" smtClean="0"/>
+              <a:t>Multiple </a:t>
+            </a:r>
+            <a:r>
+              <a:rPr lang="nl-NL" dirty="0" err="1" smtClean="0"/>
+              <a:t>AssemblyLines</a:t>
+            </a:r>
+            <a:r>
+              <a:rPr lang="nl-NL" dirty="0" smtClean="0"/>
+              <a:t> in </a:t>
+            </a:r>
+            <a:r>
+              <a:rPr lang="nl-NL" dirty="0" err="1" smtClean="0"/>
+              <a:t>CarManufacturingCompany</a:t>
+            </a:r>
+            <a:endParaRPr lang="nl-NL" dirty="0" smtClean="0"/>
+          </a:p>
+          <a:p>
+            <a:r>
+              <a:rPr lang="nl-NL" dirty="0" smtClean="0"/>
+              <a:t>New </a:t>
+            </a:r>
+            <a:r>
+              <a:rPr lang="nl-NL" dirty="0" err="1" smtClean="0"/>
+              <a:t>layer</a:t>
+            </a:r>
+            <a:r>
+              <a:rPr lang="nl-NL" dirty="0" smtClean="0"/>
+              <a:t> of </a:t>
+            </a:r>
+            <a:r>
+              <a:rPr lang="nl-NL" dirty="0" err="1" smtClean="0"/>
+              <a:t>scheduling</a:t>
+            </a:r>
+            <a:endParaRPr lang="nl-NL" dirty="0" smtClean="0"/>
+          </a:p>
+          <a:p>
+            <a:r>
+              <a:rPr lang="nl-NL" dirty="0" err="1" smtClean="0"/>
+              <a:t>Fairly</a:t>
+            </a:r>
+            <a:r>
+              <a:rPr lang="nl-NL" dirty="0" smtClean="0"/>
+              <a:t> easy</a:t>
+            </a:r>
+            <a:endParaRPr lang="nl-NL" dirty="0"/>
+          </a:p>
+        </p:txBody>
+      </p:sp>
+      <p:sp>
+        <p:nvSpPr>
+          <p:cNvPr id="3" name="Titel 2"/>
+          <p:cNvSpPr>
+            <a:spLocks noGrp="1"/>
+          </p:cNvSpPr>
+          <p:nvPr>
+            <p:ph type="title"/>
+          </p:nvPr>
+        </p:nvSpPr>
+        <p:spPr/>
+        <p:txBody>
+          <a:bodyPr/>
+          <a:lstStyle/>
+          <a:p>
+            <a:r>
+              <a:rPr lang="nl-NL" dirty="0" err="1" smtClean="0"/>
+              <a:t>Extensibility</a:t>
+            </a:r>
+            <a:r>
+              <a:rPr lang="nl-NL" dirty="0" smtClean="0"/>
+              <a:t>: multiple </a:t>
+            </a:r>
+            <a:r>
+              <a:rPr lang="nl-NL" dirty="0" err="1" smtClean="0"/>
+              <a:t>factories</a:t>
+            </a:r>
+            <a:endParaRPr lang="nl-NL" dirty="0"/>
+          </a:p>
+        </p:txBody>
+      </p:sp>
+    </p:spTree>
+  </p:cSld>
+  <p:clrMapOvr>
+    <a:masterClrMapping/>
+  </p:clrMapOvr>
+</p:sld>
+</file>
+
+<file path=ppt/slides/slide8.xml><?xml version="1.0" encoding="utf-8"?>
+<p:sld xmlns:a="http://schemas.openxmlformats.org/drawingml/2006/main" xmlns:r="http://schemas.openxmlformats.org/officeDocument/2006/relationships" xmlns:p="http://schemas.openxmlformats.org/presentationml/2006/main">
+  <p:cSld>
+    <p:spTree>
+      <p:nvGrpSpPr>
+        <p:cNvPr id="1" name=""/>
+        <p:cNvGrpSpPr/>
+        <p:nvPr/>
+      </p:nvGrpSpPr>
+      <p:grpSpPr>
+        <a:xfrm>
+          <a:off x="0" y="0"/>
+          <a:ext cx="0" cy="0"/>
+          <a:chOff x="0" y="0"/>
+          <a:chExt cx="0" cy="0"/>
+        </a:xfrm>
+      </p:grpSpPr>
+      <p:sp>
+        <p:nvSpPr>
+          <p:cNvPr id="2" name="Tijdelijke aanduiding voor inhoud 1"/>
+          <p:cNvSpPr>
+            <a:spLocks noGrp="1"/>
+          </p:cNvSpPr>
+          <p:nvPr>
+            <p:ph idx="1"/>
+          </p:nvPr>
+        </p:nvSpPr>
+        <p:spPr/>
+        <p:txBody>
+          <a:bodyPr/>
+          <a:lstStyle/>
+          <a:p>
+            <a:r>
+              <a:rPr lang="nl-NL" dirty="0" smtClean="0"/>
+              <a:t>New model:</a:t>
+            </a:r>
+          </a:p>
+          <a:p>
+            <a:pPr lvl="1"/>
+            <a:r>
+              <a:rPr lang="nl-NL" dirty="0" smtClean="0"/>
+              <a:t>Easy to hardcode: </a:t>
+            </a:r>
+            <a:r>
+              <a:rPr lang="nl-NL" dirty="0" err="1" smtClean="0"/>
+              <a:t>add</a:t>
+            </a:r>
+            <a:r>
+              <a:rPr lang="nl-NL" dirty="0" smtClean="0"/>
+              <a:t> </a:t>
+            </a:r>
+            <a:r>
+              <a:rPr lang="nl-NL" dirty="0" err="1" smtClean="0"/>
+              <a:t>enum</a:t>
+            </a:r>
+            <a:r>
+              <a:rPr lang="nl-NL" dirty="0" smtClean="0"/>
+              <a:t> constant</a:t>
+            </a:r>
+          </a:p>
+          <a:p>
+            <a:pPr lvl="1"/>
+            <a:r>
+              <a:rPr lang="nl-NL" dirty="0" smtClean="0"/>
+              <a:t>Hard at </a:t>
+            </a:r>
+            <a:r>
+              <a:rPr lang="nl-NL" dirty="0" err="1" smtClean="0"/>
+              <a:t>runtime</a:t>
+            </a:r>
+            <a:r>
+              <a:rPr lang="nl-NL" dirty="0" smtClean="0"/>
+              <a:t>: </a:t>
+            </a:r>
+            <a:r>
+              <a:rPr lang="nl-NL" dirty="0" err="1" smtClean="0"/>
+              <a:t>first</a:t>
+            </a:r>
+            <a:r>
+              <a:rPr lang="nl-NL" dirty="0" smtClean="0"/>
+              <a:t> </a:t>
+            </a:r>
+            <a:r>
+              <a:rPr lang="nl-NL" dirty="0" err="1" smtClean="0"/>
+              <a:t>change</a:t>
+            </a:r>
+            <a:r>
+              <a:rPr lang="nl-NL" dirty="0" smtClean="0"/>
+              <a:t> </a:t>
+            </a:r>
+            <a:r>
+              <a:rPr lang="nl-NL" dirty="0" err="1" smtClean="0"/>
+              <a:t>enum</a:t>
+            </a:r>
+            <a:r>
+              <a:rPr lang="nl-NL" dirty="0" smtClean="0"/>
+              <a:t> to </a:t>
+            </a:r>
+            <a:r>
+              <a:rPr lang="nl-NL" dirty="0" err="1" smtClean="0"/>
+              <a:t>class</a:t>
+            </a:r>
+            <a:endParaRPr lang="nl-NL" dirty="0" smtClean="0"/>
+          </a:p>
+          <a:p>
+            <a:r>
+              <a:rPr lang="nl-NL" dirty="0" smtClean="0"/>
+              <a:t>New </a:t>
+            </a:r>
+            <a:r>
+              <a:rPr lang="nl-NL" dirty="0" err="1" smtClean="0"/>
+              <a:t>car</a:t>
+            </a:r>
+            <a:r>
+              <a:rPr lang="nl-NL" dirty="0" smtClean="0"/>
+              <a:t> </a:t>
+            </a:r>
+            <a:r>
+              <a:rPr lang="nl-NL" dirty="0" err="1" smtClean="0"/>
+              <a:t>parts</a:t>
+            </a:r>
+            <a:r>
+              <a:rPr lang="nl-NL" dirty="0" smtClean="0"/>
+              <a:t>:</a:t>
+            </a:r>
+          </a:p>
+          <a:p>
+            <a:pPr lvl="1"/>
+            <a:r>
+              <a:rPr lang="nl-NL" dirty="0" smtClean="0"/>
+              <a:t>Easy to hardcode: </a:t>
+            </a:r>
+            <a:r>
+              <a:rPr lang="nl-NL" dirty="0" err="1" smtClean="0"/>
+              <a:t>add</a:t>
+            </a:r>
+            <a:r>
+              <a:rPr lang="nl-NL" dirty="0" smtClean="0"/>
+              <a:t> </a:t>
+            </a:r>
+            <a:r>
+              <a:rPr lang="nl-NL" dirty="0" err="1" smtClean="0"/>
+              <a:t>enum</a:t>
+            </a:r>
+            <a:r>
+              <a:rPr lang="nl-NL" dirty="0" smtClean="0"/>
+              <a:t> constant</a:t>
+            </a:r>
+          </a:p>
+          <a:p>
+            <a:pPr lvl="1"/>
+            <a:r>
+              <a:rPr lang="nl-NL" dirty="0" err="1" smtClean="0"/>
+              <a:t>Assembly</a:t>
+            </a:r>
+            <a:r>
+              <a:rPr lang="nl-NL" dirty="0" smtClean="0"/>
+              <a:t> </a:t>
+            </a:r>
+            <a:r>
+              <a:rPr lang="nl-NL" dirty="0" err="1" smtClean="0"/>
+              <a:t>tasks</a:t>
+            </a:r>
+            <a:r>
+              <a:rPr lang="nl-NL" dirty="0" smtClean="0"/>
+              <a:t> </a:t>
+            </a:r>
+            <a:r>
+              <a:rPr lang="nl-NL" dirty="0" err="1" smtClean="0"/>
+              <a:t>don’t</a:t>
+            </a:r>
+            <a:r>
+              <a:rPr lang="nl-NL" dirty="0" smtClean="0"/>
+              <a:t> </a:t>
+            </a:r>
+            <a:r>
+              <a:rPr lang="nl-NL" dirty="0" err="1" smtClean="0"/>
+              <a:t>need</a:t>
+            </a:r>
+            <a:r>
+              <a:rPr lang="nl-NL" dirty="0" smtClean="0"/>
+              <a:t> to </a:t>
+            </a:r>
+            <a:r>
+              <a:rPr lang="nl-NL" dirty="0" err="1" smtClean="0"/>
+              <a:t>be</a:t>
+            </a:r>
+            <a:r>
+              <a:rPr lang="nl-NL" dirty="0" smtClean="0"/>
+              <a:t> </a:t>
+            </a:r>
+            <a:r>
+              <a:rPr lang="nl-NL" dirty="0" err="1" smtClean="0"/>
+              <a:t>changed</a:t>
+            </a:r>
+            <a:endParaRPr lang="nl-NL" dirty="0" smtClean="0"/>
+          </a:p>
+          <a:p>
+            <a:pPr lvl="1"/>
+            <a:endParaRPr lang="nl-NL" dirty="0"/>
+          </a:p>
+        </p:txBody>
+      </p:sp>
+      <p:sp>
+        <p:nvSpPr>
+          <p:cNvPr id="3" name="Titel 2"/>
+          <p:cNvSpPr>
+            <a:spLocks noGrp="1"/>
+          </p:cNvSpPr>
+          <p:nvPr>
+            <p:ph type="title"/>
+          </p:nvPr>
+        </p:nvSpPr>
+        <p:spPr/>
+        <p:txBody>
+          <a:bodyPr>
+            <a:normAutofit fontScale="90000"/>
+          </a:bodyPr>
+          <a:lstStyle/>
+          <a:p>
+            <a:r>
+              <a:rPr lang="nl-NL" dirty="0" err="1" smtClean="0"/>
+              <a:t>Extensibility</a:t>
+            </a:r>
+            <a:r>
+              <a:rPr lang="nl-NL" dirty="0" smtClean="0"/>
+              <a:t>: </a:t>
+            </a:r>
+            <a:r>
+              <a:rPr lang="nl-NL" dirty="0" err="1" smtClean="0"/>
+              <a:t>new</a:t>
+            </a:r>
+            <a:r>
+              <a:rPr lang="nl-NL" dirty="0" smtClean="0"/>
+              <a:t> </a:t>
+            </a:r>
+            <a:r>
+              <a:rPr lang="nl-NL" dirty="0" err="1" smtClean="0"/>
+              <a:t>car</a:t>
+            </a:r>
+            <a:r>
+              <a:rPr lang="nl-NL" dirty="0" smtClean="0"/>
+              <a:t> </a:t>
+            </a:r>
+            <a:r>
+              <a:rPr lang="nl-NL" dirty="0" err="1" smtClean="0"/>
+              <a:t>information</a:t>
+            </a:r>
+            <a:endParaRPr lang="nl-NL" dirty="0"/>
+          </a:p>
+        </p:txBody>
+      </p:sp>
+    </p:spTree>
+  </p:cSld>
+  <p:clrMapOvr>
+    <a:masterClrMapping/>
+  </p:clrMapOvr>
+</p:sld>
+</file>
+
+<file path=ppt/slides/slide9.xml><?xml version="1.0" encoding="utf-8"?>
+<p:sld xmlns:a="http://schemas.openxmlformats.org/drawingml/2006/main" xmlns:r="http://schemas.openxmlformats.org/officeDocument/2006/relationships" xmlns:p="http://schemas.openxmlformats.org/presentationml/2006/main">
+  <p:cSld>
+    <p:spTree>
+      <p:nvGrpSpPr>
+        <p:cNvPr id="1" name=""/>
+        <p:cNvGrpSpPr/>
+        <p:nvPr/>
+      </p:nvGrpSpPr>
+      <p:grpSpPr>
+        <a:xfrm>
+          <a:off x="0" y="0"/>
+          <a:ext cx="0" cy="0"/>
+          <a:chOff x="0" y="0"/>
+          <a:chExt cx="0" cy="0"/>
+        </a:xfrm>
+      </p:grpSpPr>
+      <p:sp>
+        <p:nvSpPr>
+          <p:cNvPr id="2" name="Tijdelijke aanduiding voor inhoud 1"/>
+          <p:cNvSpPr>
+            <a:spLocks noGrp="1"/>
+          </p:cNvSpPr>
+          <p:nvPr>
+            <p:ph idx="1"/>
+          </p:nvPr>
+        </p:nvSpPr>
+        <p:spPr/>
+        <p:txBody>
+          <a:bodyPr/>
+          <a:lstStyle/>
+          <a:p>
+            <a:r>
+              <a:rPr lang="nl-NL" dirty="0" err="1" smtClean="0"/>
+              <a:t>Times</a:t>
+            </a:r>
+            <a:r>
+              <a:rPr lang="nl-NL" dirty="0" smtClean="0"/>
+              <a:t> have to </a:t>
+            </a:r>
+            <a:r>
+              <a:rPr lang="nl-NL" dirty="0" err="1" smtClean="0"/>
+              <a:t>be</a:t>
+            </a:r>
+            <a:r>
+              <a:rPr lang="nl-NL" dirty="0" smtClean="0"/>
+              <a:t> </a:t>
+            </a:r>
+            <a:r>
+              <a:rPr lang="nl-NL" dirty="0" err="1" smtClean="0"/>
+              <a:t>calculated</a:t>
+            </a:r>
+            <a:r>
+              <a:rPr lang="nl-NL" dirty="0" smtClean="0"/>
+              <a:t> </a:t>
+            </a:r>
+            <a:r>
+              <a:rPr lang="nl-NL" dirty="0" err="1" smtClean="0"/>
+              <a:t>for</a:t>
+            </a:r>
+            <a:r>
+              <a:rPr lang="nl-NL" dirty="0" smtClean="0"/>
+              <a:t> </a:t>
+            </a:r>
+            <a:r>
+              <a:rPr lang="nl-NL" dirty="0" err="1" smtClean="0"/>
+              <a:t>individual</a:t>
+            </a:r>
+            <a:r>
+              <a:rPr lang="nl-NL" dirty="0" smtClean="0"/>
+              <a:t> </a:t>
+            </a:r>
+            <a:r>
+              <a:rPr lang="nl-NL" dirty="0" err="1" smtClean="0"/>
+              <a:t>mechanics</a:t>
+            </a:r>
+            <a:endParaRPr lang="nl-NL" dirty="0" smtClean="0"/>
+          </a:p>
+          <a:p>
+            <a:r>
+              <a:rPr lang="nl-NL" dirty="0" smtClean="0"/>
+              <a:t>Breaks</a:t>
+            </a:r>
+          </a:p>
+          <a:p>
+            <a:r>
+              <a:rPr lang="nl-NL" dirty="0" smtClean="0"/>
+              <a:t>Hard to </a:t>
+            </a:r>
+            <a:r>
+              <a:rPr lang="nl-NL" dirty="0" err="1" smtClean="0"/>
+              <a:t>adjust</a:t>
+            </a:r>
+            <a:r>
+              <a:rPr lang="nl-NL" dirty="0" smtClean="0"/>
+              <a:t> Schedule</a:t>
+            </a:r>
+          </a:p>
+          <a:p>
+            <a:endParaRPr lang="nl-NL" dirty="0" smtClean="0"/>
+          </a:p>
+          <a:p>
+            <a:endParaRPr lang="nl-NL" dirty="0"/>
+          </a:p>
+        </p:txBody>
+      </p:sp>
+      <p:sp>
+        <p:nvSpPr>
+          <p:cNvPr id="3" name="Titel 2"/>
+          <p:cNvSpPr>
+            <a:spLocks noGrp="1"/>
+          </p:cNvSpPr>
+          <p:nvPr>
+            <p:ph type="title"/>
+          </p:nvPr>
+        </p:nvSpPr>
+        <p:spPr/>
+        <p:txBody>
+          <a:bodyPr/>
+          <a:lstStyle/>
+          <a:p>
+            <a:r>
+              <a:rPr lang="nl-NL" dirty="0" err="1" smtClean="0"/>
+              <a:t>Extensibility</a:t>
+            </a:r>
+            <a:r>
+              <a:rPr lang="nl-NL" dirty="0" smtClean="0"/>
+              <a:t>: </a:t>
+            </a:r>
+            <a:r>
+              <a:rPr lang="nl-NL" dirty="0" err="1" smtClean="0"/>
+              <a:t>shifts</a:t>
             </a:r>
             <a:endParaRPr lang="nl-NL" dirty="0"/>
           </a:p>
